--- a/Lesson3/lesson3.pptx
+++ b/Lesson3/lesson3.pptx
@@ -4550,7 +4550,7 @@
           </a:ln>
           <a:extLst>
             <a:ext uri="{C572A759-6A51-4108-AA02-DFA0A04FC94B}">
-              <ma14:wrappingTextBoxFlag xmlns="" xmlns:ma14="http://schemas.microsoft.com/office/mac/drawingml/2011/main" val="1"/>
+              <ma14:wrappingTextBoxFlag xmlns:ma14="http://schemas.microsoft.com/office/mac/drawingml/2011/main" xmlns="" val="1"/>
             </a:ext>
           </a:extLst>
         </p:spPr>
@@ -4589,7 +4589,7 @@
           </a:ln>
           <a:extLst>
             <a:ext uri="{C572A759-6A51-4108-AA02-DFA0A04FC94B}">
-              <ma14:wrappingTextBoxFlag xmlns="" xmlns:ma14="http://schemas.microsoft.com/office/mac/drawingml/2011/main" val="1"/>
+              <ma14:wrappingTextBoxFlag xmlns:ma14="http://schemas.microsoft.com/office/mac/drawingml/2011/main" xmlns="" val="1"/>
             </a:ext>
           </a:extLst>
         </p:spPr>
@@ -12969,7 +12969,7 @@
             <a:pPr lvl="1"/>
             <a:r>
               <a:rPr lang="en-US" sz="2000" dirty="0"/>
-              <a:t>Does the client needs to know about this structure?</a:t>
+              <a:t>Does the client need to know about this structure?</a:t>
             </a:r>
           </a:p>
           <a:p>
@@ -14704,7 +14704,7 @@
                 <a:latin typeface="Calibri" panose="020F0502020204030204" pitchFamily="34" charset="0"/>
                 <a:cs typeface="Calibri" panose="020F0502020204030204" pitchFamily="34" charset="0"/>
               </a:rPr>
-              <a:t> 	- Expression property: Age</a:t>
+              <a:t> 	- Expression property: Title</a:t>
             </a:r>
           </a:p>
           <a:p>
@@ -15036,7 +15036,7 @@
                 <a:latin typeface="Calibri" panose="020F0502020204030204" pitchFamily="34" charset="0"/>
                 <a:cs typeface="Calibri" panose="020F0502020204030204" pitchFamily="34" charset="0"/>
               </a:rPr>
-              <a:t> 	- Expression property: Age</a:t>
+              <a:t> 	- Expression property: Title</a:t>
             </a:r>
           </a:p>
           <a:p>
